--- a/material/gagne-pratte.pptx
+++ b/material/gagne-pratte.pptx
@@ -3255,7 +3255,7 @@
           <a:p>
             <a:r>
               <a:rPr lang="en-CA" sz="1400" dirty="0"/>
-              <a:t>Innovation and creativity</a:t>
+              <a:t>Data and analytical knowledge</a:t>
             </a:r>
           </a:p>
         </p:txBody>
@@ -3301,7 +3301,7 @@
           <a:p>
             <a:r>
               <a:rPr lang="en-CA" sz="1400" dirty="0"/>
-              <a:t>Adaptability and flexibility</a:t>
+              <a:t>Knowledge management</a:t>
             </a:r>
           </a:p>
         </p:txBody>
